--- a/Networked System and Applications/week 15/EENGM0009-2-01-Application Layer-Models and Patterns.pptx
+++ b/Networked System and Applications/week 15/EENGM0009-2-01-Application Layer-Models and Patterns.pptx
@@ -1387,14 +1387,14 @@
           <a:ln w="9525"/>
           <a:extLst>
             <a:ext uri="{909E8E84-426E-40dd-AFC4-6F175D3DCCD1}">
-              <a14:hiddenFill xmlns:a14="http://schemas.microsoft.com/office/drawing/2010/main" xmlns="">
+              <a14:hiddenFill xmlns="" xmlns:a14="http://schemas.microsoft.com/office/drawing/2010/main">
                 <a:solidFill>
                   <a:srgbClr val="FFFFFF"/>
                 </a:solidFill>
               </a14:hiddenFill>
             </a:ext>
             <a:ext uri="{91240B29-F687-4f45-9708-019B960494DF}">
-              <a14:hiddenLine xmlns:a14="http://schemas.microsoft.com/office/drawing/2010/main" xmlns="" w="9525">
+              <a14:hiddenLine xmlns="" xmlns:a14="http://schemas.microsoft.com/office/drawing/2010/main" w="9525">
                 <a:solidFill>
                   <a:srgbClr val="000000"/>
                 </a:solidFill>
@@ -1702,11 +1702,11 @@
   <p:clrMapOvr>
     <a:masterClrMapping/>
   </p:clrMapOvr>
-  <mc:AlternateContent xmlns:mc="http://schemas.openxmlformats.org/markup-compatibility/2006">
-    <mc:Choice xmlns:p14="http://schemas.microsoft.com/office/powerpoint/2010/main" Requires="p14">
+  <mc:AlternateContent xmlns:mc="http://schemas.openxmlformats.org/markup-compatibility/2006" xmlns:p14="http://schemas.microsoft.com/office/powerpoint/2010/main">
+    <mc:Choice Requires="p14">
       <p:transition p14:dur="0" advTm="44369"/>
     </mc:Choice>
-    <mc:Fallback>
+    <mc:Fallback xmlns="">
       <p:transition advTm="44369"/>
     </mc:Fallback>
   </mc:AlternateContent>
@@ -1954,11 +1954,11 @@
   <p:clrMapOvr>
     <a:masterClrMapping/>
   </p:clrMapOvr>
-  <mc:AlternateContent xmlns:mc="http://schemas.openxmlformats.org/markup-compatibility/2006">
-    <mc:Choice xmlns:p14="http://schemas.microsoft.com/office/powerpoint/2010/main" Requires="p14">
+  <mc:AlternateContent xmlns:mc="http://schemas.openxmlformats.org/markup-compatibility/2006" xmlns:p14="http://schemas.microsoft.com/office/powerpoint/2010/main">
+    <mc:Choice Requires="p14">
       <p:transition p14:dur="0" advTm="44369"/>
     </mc:Choice>
-    <mc:Fallback>
+    <mc:Fallback xmlns="">
       <p:transition advTm="44369"/>
     </mc:Fallback>
   </mc:AlternateContent>
@@ -2251,11 +2251,11 @@
   <p:clrMapOvr>
     <a:masterClrMapping/>
   </p:clrMapOvr>
-  <mc:AlternateContent xmlns:mc="http://schemas.openxmlformats.org/markup-compatibility/2006">
-    <mc:Choice xmlns:p14="http://schemas.microsoft.com/office/powerpoint/2010/main" Requires="p14">
+  <mc:AlternateContent xmlns:mc="http://schemas.openxmlformats.org/markup-compatibility/2006" xmlns:p14="http://schemas.microsoft.com/office/powerpoint/2010/main">
+    <mc:Choice Requires="p14">
       <p:transition p14:dur="0" advTm="44369"/>
     </mc:Choice>
-    <mc:Fallback>
+    <mc:Fallback xmlns="">
       <p:transition advTm="44369"/>
     </mc:Fallback>
   </mc:AlternateContent>
@@ -2586,11 +2586,11 @@
   <p:clrMapOvr>
     <a:masterClrMapping/>
   </p:clrMapOvr>
-  <mc:AlternateContent xmlns:mc="http://schemas.openxmlformats.org/markup-compatibility/2006">
-    <mc:Choice xmlns:p14="http://schemas.microsoft.com/office/powerpoint/2010/main" Requires="p14">
+  <mc:AlternateContent xmlns:mc="http://schemas.openxmlformats.org/markup-compatibility/2006" xmlns:p14="http://schemas.microsoft.com/office/powerpoint/2010/main">
+    <mc:Choice Requires="p14">
       <p:transition p14:dur="0" advTm="44369"/>
     </mc:Choice>
-    <mc:Fallback>
+    <mc:Fallback xmlns="">
       <p:transition advTm="44369"/>
     </mc:Fallback>
   </mc:AlternateContent>
@@ -3056,11 +3056,11 @@
   <p:clrMapOvr>
     <a:masterClrMapping/>
   </p:clrMapOvr>
-  <mc:AlternateContent xmlns:mc="http://schemas.openxmlformats.org/markup-compatibility/2006">
-    <mc:Choice xmlns:p14="http://schemas.microsoft.com/office/powerpoint/2010/main" Requires="p14">
+  <mc:AlternateContent xmlns:mc="http://schemas.openxmlformats.org/markup-compatibility/2006" xmlns:p14="http://schemas.microsoft.com/office/powerpoint/2010/main">
+    <mc:Choice Requires="p14">
       <p:transition p14:dur="0" advTm="44369"/>
     </mc:Choice>
-    <mc:Fallback>
+    <mc:Fallback xmlns="">
       <p:transition advTm="44369"/>
     </mc:Fallback>
   </mc:AlternateContent>
@@ -3204,11 +3204,11 @@
   <p:clrMapOvr>
     <a:masterClrMapping/>
   </p:clrMapOvr>
-  <mc:AlternateContent xmlns:mc="http://schemas.openxmlformats.org/markup-compatibility/2006">
-    <mc:Choice xmlns:p14="http://schemas.microsoft.com/office/powerpoint/2010/main" Requires="p14">
+  <mc:AlternateContent xmlns:mc="http://schemas.openxmlformats.org/markup-compatibility/2006" xmlns:p14="http://schemas.microsoft.com/office/powerpoint/2010/main">
+    <mc:Choice Requires="p14">
       <p:transition p14:dur="0" advTm="44369"/>
     </mc:Choice>
-    <mc:Fallback>
+    <mc:Fallback xmlns="">
       <p:transition advTm="44369"/>
     </mc:Fallback>
   </mc:AlternateContent>
@@ -3356,11 +3356,11 @@
   <p:clrMapOvr>
     <a:masterClrMapping/>
   </p:clrMapOvr>
-  <mc:AlternateContent xmlns:mc="http://schemas.openxmlformats.org/markup-compatibility/2006">
-    <mc:Choice xmlns:p14="http://schemas.microsoft.com/office/powerpoint/2010/main" Requires="p14">
+  <mc:AlternateContent xmlns:mc="http://schemas.openxmlformats.org/markup-compatibility/2006" xmlns:p14="http://schemas.microsoft.com/office/powerpoint/2010/main">
+    <mc:Choice Requires="p14">
       <p:transition p14:dur="0" advTm="44369"/>
     </mc:Choice>
-    <mc:Fallback>
+    <mc:Fallback xmlns="">
       <p:transition advTm="44369"/>
     </mc:Fallback>
   </mc:AlternateContent>
@@ -3699,11 +3699,11 @@
   <p:clrMapOvr>
     <a:masterClrMapping/>
   </p:clrMapOvr>
-  <mc:AlternateContent xmlns:mc="http://schemas.openxmlformats.org/markup-compatibility/2006">
-    <mc:Choice xmlns:p14="http://schemas.microsoft.com/office/powerpoint/2010/main" Requires="p14">
+  <mc:AlternateContent xmlns:mc="http://schemas.openxmlformats.org/markup-compatibility/2006" xmlns:p14="http://schemas.microsoft.com/office/powerpoint/2010/main">
+    <mc:Choice Requires="p14">
       <p:transition p14:dur="0" advTm="44369"/>
     </mc:Choice>
-    <mc:Fallback>
+    <mc:Fallback xmlns="">
       <p:transition advTm="44369"/>
     </mc:Fallback>
   </mc:AlternateContent>
@@ -3995,11 +3995,11 @@
   <p:clrMapOvr>
     <a:masterClrMapping/>
   </p:clrMapOvr>
-  <mc:AlternateContent xmlns:mc="http://schemas.openxmlformats.org/markup-compatibility/2006">
-    <mc:Choice xmlns:p14="http://schemas.microsoft.com/office/powerpoint/2010/main" Requires="p14">
+  <mc:AlternateContent xmlns:mc="http://schemas.openxmlformats.org/markup-compatibility/2006" xmlns:p14="http://schemas.microsoft.com/office/powerpoint/2010/main">
+    <mc:Choice Requires="p14">
       <p:transition p14:dur="0" advTm="44369"/>
     </mc:Choice>
-    <mc:Fallback>
+    <mc:Fallback xmlns="">
       <p:transition advTm="44369"/>
     </mc:Fallback>
   </mc:AlternateContent>
@@ -4060,7 +4060,7 @@
           <a:noFill/>
           <a:extLst>
             <a:ext uri="{909E8E84-426E-40dd-AFC4-6F175D3DCCD1}">
-              <a14:hiddenFill xmlns:a14="http://schemas.microsoft.com/office/drawing/2010/main" xmlns="">
+              <a14:hiddenFill xmlns="" xmlns:a14="http://schemas.microsoft.com/office/drawing/2010/main">
                 <a:solidFill>
                   <a:srgbClr val="FFFFFF"/>
                 </a:solidFill>
@@ -4270,11 +4270,11 @@
     <p:sldLayoutId id="2147483674" r:id="rId8"/>
     <p:sldLayoutId id="2147483675" r:id="rId9"/>
   </p:sldLayoutIdLst>
-  <mc:AlternateContent xmlns:mc="http://schemas.openxmlformats.org/markup-compatibility/2006">
-    <mc:Choice xmlns:p14="http://schemas.microsoft.com/office/powerpoint/2010/main" Requires="p14">
+  <mc:AlternateContent xmlns:mc="http://schemas.openxmlformats.org/markup-compatibility/2006" xmlns:p14="http://schemas.microsoft.com/office/powerpoint/2010/main">
+    <mc:Choice Requires="p14">
       <p:transition p14:dur="0" advTm="44369"/>
     </mc:Choice>
-    <mc:Fallback>
+    <mc:Fallback xmlns="">
       <p:transition advTm="44369"/>
     </mc:Fallback>
   </mc:AlternateContent>
@@ -4725,11 +4725,11 @@
   <p:clrMapOvr>
     <a:masterClrMapping/>
   </p:clrMapOvr>
-  <mc:AlternateContent xmlns:mc="http://schemas.openxmlformats.org/markup-compatibility/2006">
-    <mc:Choice xmlns:p14="http://schemas.microsoft.com/office/powerpoint/2010/main" Requires="p14">
+  <mc:AlternateContent xmlns:mc="http://schemas.openxmlformats.org/markup-compatibility/2006" xmlns:p14="http://schemas.microsoft.com/office/powerpoint/2010/main">
+    <mc:Choice Requires="p14">
       <p:transition p14:dur="0"/>
     </mc:Choice>
-    <mc:Fallback>
+    <mc:Fallback xmlns="">
       <p:transition/>
     </mc:Fallback>
   </mc:AlternateContent>
@@ -5077,7 +5077,7 @@
         </p:nvSpPr>
         <p:spPr>
           <a:xfrm>
-            <a:off x="535025" y="1219200"/>
+            <a:off x="340169" y="1153654"/>
             <a:ext cx="7936230" cy="1692771"/>
           </a:xfrm>
           <a:prstGeom prst="rect">
@@ -5815,11 +5815,11 @@
   <p:clrMapOvr>
     <a:masterClrMapping/>
   </p:clrMapOvr>
-  <mc:AlternateContent xmlns:mc="http://schemas.openxmlformats.org/markup-compatibility/2006">
-    <mc:Choice xmlns:p14="http://schemas.microsoft.com/office/powerpoint/2010/main" Requires="p14">
+  <mc:AlternateContent xmlns:mc="http://schemas.openxmlformats.org/markup-compatibility/2006" xmlns:p14="http://schemas.microsoft.com/office/powerpoint/2010/main">
+    <mc:Choice Requires="p14">
       <p:transition p14:dur="0" advTm="44369"/>
     </mc:Choice>
-    <mc:Fallback>
+    <mc:Fallback xmlns="">
       <p:transition advTm="44369"/>
     </mc:Fallback>
   </mc:AlternateContent>
@@ -6098,11 +6098,11 @@
   <p:clrMapOvr>
     <a:masterClrMapping/>
   </p:clrMapOvr>
-  <mc:AlternateContent xmlns:mc="http://schemas.openxmlformats.org/markup-compatibility/2006">
-    <mc:Choice xmlns:p14="http://schemas.microsoft.com/office/powerpoint/2010/main" Requires="p14">
+  <mc:AlternateContent xmlns:mc="http://schemas.openxmlformats.org/markup-compatibility/2006" xmlns:p14="http://schemas.microsoft.com/office/powerpoint/2010/main">
+    <mc:Choice Requires="p14">
       <p:transition p14:dur="0" advTm="44369"/>
     </mc:Choice>
-    <mc:Fallback>
+    <mc:Fallback xmlns="">
       <p:transition advTm="44369"/>
     </mc:Fallback>
   </mc:AlternateContent>
@@ -6510,11 +6510,11 @@
   <p:clrMapOvr>
     <a:masterClrMapping/>
   </p:clrMapOvr>
-  <mc:AlternateContent xmlns:mc="http://schemas.openxmlformats.org/markup-compatibility/2006">
-    <mc:Choice xmlns:p14="http://schemas.microsoft.com/office/powerpoint/2010/main" Requires="p14">
+  <mc:AlternateContent xmlns:mc="http://schemas.openxmlformats.org/markup-compatibility/2006" xmlns:p14="http://schemas.microsoft.com/office/powerpoint/2010/main">
+    <mc:Choice Requires="p14">
       <p:transition p14:dur="0" advTm="44369"/>
     </mc:Choice>
-    <mc:Fallback>
+    <mc:Fallback xmlns="">
       <p:transition advTm="44369"/>
     </mc:Fallback>
   </mc:AlternateContent>
@@ -6691,11 +6691,11 @@
   <p:clrMapOvr>
     <a:masterClrMapping/>
   </p:clrMapOvr>
-  <mc:AlternateContent xmlns:mc="http://schemas.openxmlformats.org/markup-compatibility/2006">
-    <mc:Choice xmlns:p14="http://schemas.microsoft.com/office/powerpoint/2010/main" Requires="p14">
+  <mc:AlternateContent xmlns:mc="http://schemas.openxmlformats.org/markup-compatibility/2006" xmlns:p14="http://schemas.microsoft.com/office/powerpoint/2010/main">
+    <mc:Choice Requires="p14">
       <p:transition p14:dur="0" advTm="44369"/>
     </mc:Choice>
-    <mc:Fallback>
+    <mc:Fallback xmlns="">
       <p:transition advTm="44369"/>
     </mc:Fallback>
   </mc:AlternateContent>
@@ -6914,11 +6914,11 @@
   <p:clrMapOvr>
     <a:masterClrMapping/>
   </p:clrMapOvr>
-  <mc:AlternateContent xmlns:mc="http://schemas.openxmlformats.org/markup-compatibility/2006">
-    <mc:Choice xmlns:p14="http://schemas.microsoft.com/office/powerpoint/2010/main" Requires="p14">
+  <mc:AlternateContent xmlns:mc="http://schemas.openxmlformats.org/markup-compatibility/2006" xmlns:p14="http://schemas.microsoft.com/office/powerpoint/2010/main">
+    <mc:Choice Requires="p14">
       <p:transition p14:dur="0" advTm="44369"/>
     </mc:Choice>
-    <mc:Fallback>
+    <mc:Fallback xmlns="">
       <p:transition advTm="44369"/>
     </mc:Fallback>
   </mc:AlternateContent>
@@ -7132,11 +7132,11 @@
   <p:clrMapOvr>
     <a:masterClrMapping/>
   </p:clrMapOvr>
-  <mc:AlternateContent xmlns:mc="http://schemas.openxmlformats.org/markup-compatibility/2006">
-    <mc:Choice xmlns:p14="http://schemas.microsoft.com/office/powerpoint/2010/main" Requires="p14">
+  <mc:AlternateContent xmlns:mc="http://schemas.openxmlformats.org/markup-compatibility/2006" xmlns:p14="http://schemas.microsoft.com/office/powerpoint/2010/main">
+    <mc:Choice Requires="p14">
       <p:transition p14:dur="0" advTm="44369"/>
     </mc:Choice>
-    <mc:Fallback>
+    <mc:Fallback xmlns="">
       <p:transition advTm="44369"/>
     </mc:Fallback>
   </mc:AlternateContent>
